--- a/Praca/Seminarium/seminarium_prez2_last.pptx
+++ b/Praca/Seminarium/seminarium_prez2_last.pptx
@@ -3270,7 +3270,7 @@
             </a:pPr>
             <a:r>
               <a:rPr lang="pl-PL" sz="2800" dirty="0" smtClean="0"/>
-              <a:t>Visual Studio 2015:</a:t>
+              <a:t>Visual Studio 2015</a:t>
             </a:r>
           </a:p>
           <a:p>
@@ -3625,7 +3625,7 @@
           <a:p>
             <a:r>
               <a:rPr lang="pl-PL" dirty="0" smtClean="0"/>
-              <a:t>Implemetancja w C++</a:t>
+              <a:t>Implementacja w C++</a:t>
             </a:r>
           </a:p>
           <a:p>
@@ -3783,11 +3783,7 @@
           <a:p>
             <a:r>
               <a:rPr lang="pl-PL" dirty="0" smtClean="0"/>
-              <a:t>PolynomialVector </a:t>
-            </a:r>
-            <a:r>
-              <a:rPr lang="pl-PL" dirty="0" smtClean="0"/>
-              <a:t>– klasa reprezentująca wielomian w postaci </a:t>
+              <a:t>PolynomialVector – klasa reprezentująca wielomian w postaci </a:t>
             </a:r>
             <a:r>
               <a:rPr lang="pl-PL" dirty="0"/>
@@ -3805,7 +3801,6 @@
               <a:rPr lang="pl-PL" dirty="0" smtClean="0"/>
               <a:t>współczynników</a:t>
             </a:r>
-            <a:endParaRPr lang="pl-PL" dirty="0" smtClean="0"/>
           </a:p>
         </p:txBody>
       </p:sp>
@@ -4028,7 +4023,6 @@
               <a:rPr lang="pl-PL" sz="2800" dirty="0" smtClean="0"/>
               <a:t>wejściowych</a:t>
             </a:r>
-            <a:endParaRPr lang="pl-PL" sz="2800" dirty="0" smtClean="0"/>
           </a:p>
           <a:p>
             <a:r>
@@ -4452,15 +4446,7 @@
             </a:pPr>
             <a:r>
               <a:rPr lang="pl-PL" sz="2400" dirty="0" smtClean="0"/>
-              <a:t>Wielomian </a:t>
-            </a:r>
-            <a:r>
-              <a:rPr lang="pl-PL" sz="2400" dirty="0" smtClean="0"/>
-              <a:t>nieposiadający </a:t>
-            </a:r>
-            <a:r>
-              <a:rPr lang="pl-PL" sz="2400" dirty="0" smtClean="0"/>
-              <a:t>pierwiastków</a:t>
+              <a:t>Wielomian nieposiadający pierwiastków</a:t>
             </a:r>
           </a:p>
           <a:p>

--- a/Praca/Seminarium/seminarium_prez2_last.pptx
+++ b/Praca/Seminarium/seminarium_prez2_last.pptx
@@ -116,7 +116,7 @@
   </p:defaultTextStyle>
   <p:extLst>
     <p:ext uri="{EFAFB233-063F-42B5-8137-9DF3F51BA10A}">
-      <p15:sldGuideLst xmlns:p15="http://schemas.microsoft.com/office/powerpoint/2012/main">
+      <p15:sldGuideLst xmlns:p15="http://schemas.microsoft.com/office/powerpoint/2012/main" xmlns="">
         <p15:guide id="1" orient="horz" pos="2160">
           <p15:clr>
             <a:srgbClr val="A4A3A4"/>
@@ -314,7 +314,7 @@
           <a:p>
             <a:fld id="{1AC32706-72C9-43E7-8E0A-734A3277496A}" type="datetimeFigureOut">
               <a:rPr lang="pl-PL" smtClean="0"/>
-              <a:t>2016-05-17</a:t>
+              <a:t>2016-06-06</a:t>
             </a:fld>
             <a:endParaRPr lang="pl-PL"/>
           </a:p>
@@ -484,7 +484,7 @@
           <a:p>
             <a:fld id="{1AC32706-72C9-43E7-8E0A-734A3277496A}" type="datetimeFigureOut">
               <a:rPr lang="pl-PL" smtClean="0"/>
-              <a:t>2016-05-17</a:t>
+              <a:t>2016-06-06</a:t>
             </a:fld>
             <a:endParaRPr lang="pl-PL"/>
           </a:p>
@@ -664,7 +664,7 @@
           <a:p>
             <a:fld id="{1AC32706-72C9-43E7-8E0A-734A3277496A}" type="datetimeFigureOut">
               <a:rPr lang="pl-PL" smtClean="0"/>
-              <a:t>2016-05-17</a:t>
+              <a:t>2016-06-06</a:t>
             </a:fld>
             <a:endParaRPr lang="pl-PL"/>
           </a:p>
@@ -834,7 +834,7 @@
           <a:p>
             <a:fld id="{1AC32706-72C9-43E7-8E0A-734A3277496A}" type="datetimeFigureOut">
               <a:rPr lang="pl-PL" smtClean="0"/>
-              <a:t>2016-05-17</a:t>
+              <a:t>2016-06-06</a:t>
             </a:fld>
             <a:endParaRPr lang="pl-PL"/>
           </a:p>
@@ -1080,7 +1080,7 @@
           <a:p>
             <a:fld id="{1AC32706-72C9-43E7-8E0A-734A3277496A}" type="datetimeFigureOut">
               <a:rPr lang="pl-PL" smtClean="0"/>
-              <a:t>2016-05-17</a:t>
+              <a:t>2016-06-06</a:t>
             </a:fld>
             <a:endParaRPr lang="pl-PL"/>
           </a:p>
@@ -1368,7 +1368,7 @@
           <a:p>
             <a:fld id="{1AC32706-72C9-43E7-8E0A-734A3277496A}" type="datetimeFigureOut">
               <a:rPr lang="pl-PL" smtClean="0"/>
-              <a:t>2016-05-17</a:t>
+              <a:t>2016-06-06</a:t>
             </a:fld>
             <a:endParaRPr lang="pl-PL"/>
           </a:p>
@@ -1790,7 +1790,7 @@
           <a:p>
             <a:fld id="{1AC32706-72C9-43E7-8E0A-734A3277496A}" type="datetimeFigureOut">
               <a:rPr lang="pl-PL" smtClean="0"/>
-              <a:t>2016-05-17</a:t>
+              <a:t>2016-06-06</a:t>
             </a:fld>
             <a:endParaRPr lang="pl-PL"/>
           </a:p>
@@ -1908,7 +1908,7 @@
           <a:p>
             <a:fld id="{1AC32706-72C9-43E7-8E0A-734A3277496A}" type="datetimeFigureOut">
               <a:rPr lang="pl-PL" smtClean="0"/>
-              <a:t>2016-05-17</a:t>
+              <a:t>2016-06-06</a:t>
             </a:fld>
             <a:endParaRPr lang="pl-PL"/>
           </a:p>
@@ -2003,7 +2003,7 @@
           <a:p>
             <a:fld id="{1AC32706-72C9-43E7-8E0A-734A3277496A}" type="datetimeFigureOut">
               <a:rPr lang="pl-PL" smtClean="0"/>
-              <a:t>2016-05-17</a:t>
+              <a:t>2016-06-06</a:t>
             </a:fld>
             <a:endParaRPr lang="pl-PL"/>
           </a:p>
@@ -2280,7 +2280,7 @@
           <a:p>
             <a:fld id="{1AC32706-72C9-43E7-8E0A-734A3277496A}" type="datetimeFigureOut">
               <a:rPr lang="pl-PL" smtClean="0"/>
-              <a:t>2016-05-17</a:t>
+              <a:t>2016-06-06</a:t>
             </a:fld>
             <a:endParaRPr lang="pl-PL"/>
           </a:p>
@@ -2533,7 +2533,7 @@
           <a:p>
             <a:fld id="{1AC32706-72C9-43E7-8E0A-734A3277496A}" type="datetimeFigureOut">
               <a:rPr lang="pl-PL" smtClean="0"/>
-              <a:t>2016-05-17</a:t>
+              <a:t>2016-06-06</a:t>
             </a:fld>
             <a:endParaRPr lang="pl-PL"/>
           </a:p>
@@ -2749,7 +2749,7 @@
           <a:p>
             <a:fld id="{1AC32706-72C9-43E7-8E0A-734A3277496A}" type="datetimeFigureOut">
               <a:rPr lang="pl-PL" smtClean="0"/>
-              <a:t>2016-05-17</a:t>
+              <a:t>2016-06-06</a:t>
             </a:fld>
             <a:endParaRPr lang="pl-PL"/>
           </a:p>
@@ -3166,8 +3166,17 @@
           <a:p>
             <a:r>
               <a:rPr lang="pl-PL" dirty="0" smtClean="0"/>
-              <a:t>Prezentacja nr 1</a:t>
-            </a:r>
+              <a:t>Prezentacja </a:t>
+            </a:r>
+            <a:r>
+              <a:rPr lang="pl-PL" smtClean="0"/>
+              <a:t>nr </a:t>
+            </a:r>
+            <a:r>
+              <a:rPr lang="pl-PL" smtClean="0"/>
+              <a:t>2</a:t>
+            </a:r>
+            <a:endParaRPr lang="pl-PL" dirty="0" smtClean="0"/>
           </a:p>
           <a:p>
             <a:endParaRPr lang="pl-PL" dirty="0" smtClean="0"/>
